--- a/Bloque I. Introducción/I.0. Presentacion - Cuenca.pptx
+++ b/Bloque I. Introducción/I.0. Presentacion - Cuenca.pptx
@@ -219,7 +219,7 @@
             <a:fld id="{B3E16CF3-8537-4774-A9FC-A2A5296655A0}" type="datetimeFigureOut">
               <a:rPr lang="es-ES" smtClean="0"/>
               <a:pPr/>
-              <a:t>21/06/2018</a:t>
+              <a:t>22/06/2018</a:t>
             </a:fld>
             <a:endParaRPr lang="es-ES"/>
           </a:p>
@@ -672,7 +672,7 @@
             <a:fld id="{7A847CFC-816F-41D0-AAC0-9BF4FEBC753E}" type="datetimeFigureOut">
               <a:rPr lang="es-ES" smtClean="0"/>
               <a:pPr/>
-              <a:t>21/06/2018</a:t>
+              <a:t>22/06/2018</a:t>
             </a:fld>
             <a:endParaRPr lang="es-ES"/>
           </a:p>
@@ -839,7 +839,7 @@
             <a:fld id="{7A847CFC-816F-41D0-AAC0-9BF4FEBC753E}" type="datetimeFigureOut">
               <a:rPr lang="es-ES" smtClean="0"/>
               <a:pPr/>
-              <a:t>21/06/2018</a:t>
+              <a:t>22/06/2018</a:t>
             </a:fld>
             <a:endParaRPr lang="es-ES"/>
           </a:p>
@@ -1016,7 +1016,7 @@
             <a:fld id="{7A847CFC-816F-41D0-AAC0-9BF4FEBC753E}" type="datetimeFigureOut">
               <a:rPr lang="es-ES" smtClean="0"/>
               <a:pPr/>
-              <a:t>21/06/2018</a:t>
+              <a:t>22/06/2018</a:t>
             </a:fld>
             <a:endParaRPr lang="es-ES"/>
           </a:p>
@@ -1183,7 +1183,7 @@
             <a:fld id="{7A847CFC-816F-41D0-AAC0-9BF4FEBC753E}" type="datetimeFigureOut">
               <a:rPr lang="es-ES" smtClean="0"/>
               <a:pPr/>
-              <a:t>21/06/2018</a:t>
+              <a:t>22/06/2018</a:t>
             </a:fld>
             <a:endParaRPr lang="es-ES"/>
           </a:p>
@@ -1435,7 +1435,7 @@
             <a:fld id="{7A847CFC-816F-41D0-AAC0-9BF4FEBC753E}" type="datetimeFigureOut">
               <a:rPr lang="es-ES" smtClean="0"/>
               <a:pPr/>
-              <a:t>21/06/2018</a:t>
+              <a:t>22/06/2018</a:t>
             </a:fld>
             <a:endParaRPr lang="es-ES"/>
           </a:p>
@@ -1732,7 +1732,7 @@
             <a:fld id="{7A847CFC-816F-41D0-AAC0-9BF4FEBC753E}" type="datetimeFigureOut">
               <a:rPr lang="es-ES" smtClean="0"/>
               <a:pPr/>
-              <a:t>21/06/2018</a:t>
+              <a:t>22/06/2018</a:t>
             </a:fld>
             <a:endParaRPr lang="es-ES"/>
           </a:p>
@@ -2151,7 +2151,7 @@
             <a:fld id="{7A847CFC-816F-41D0-AAC0-9BF4FEBC753E}" type="datetimeFigureOut">
               <a:rPr lang="es-ES" smtClean="0"/>
               <a:pPr/>
-              <a:t>21/06/2018</a:t>
+              <a:t>22/06/2018</a:t>
             </a:fld>
             <a:endParaRPr lang="es-ES"/>
           </a:p>
@@ -2266,7 +2266,7 @@
             <a:fld id="{7A847CFC-816F-41D0-AAC0-9BF4FEBC753E}" type="datetimeFigureOut">
               <a:rPr lang="es-ES" smtClean="0"/>
               <a:pPr/>
-              <a:t>21/06/2018</a:t>
+              <a:t>22/06/2018</a:t>
             </a:fld>
             <a:endParaRPr lang="es-ES"/>
           </a:p>
@@ -2358,7 +2358,7 @@
             <a:fld id="{7A847CFC-816F-41D0-AAC0-9BF4FEBC753E}" type="datetimeFigureOut">
               <a:rPr lang="es-ES" smtClean="0"/>
               <a:pPr/>
-              <a:t>21/06/2018</a:t>
+              <a:t>22/06/2018</a:t>
             </a:fld>
             <a:endParaRPr lang="es-ES"/>
           </a:p>
@@ -2632,7 +2632,7 @@
             <a:fld id="{7A847CFC-816F-41D0-AAC0-9BF4FEBC753E}" type="datetimeFigureOut">
               <a:rPr lang="es-ES" smtClean="0"/>
               <a:pPr/>
-              <a:t>21/06/2018</a:t>
+              <a:t>22/06/2018</a:t>
             </a:fld>
             <a:endParaRPr lang="es-ES"/>
           </a:p>
@@ -2882,7 +2882,7 @@
             <a:fld id="{7A847CFC-816F-41D0-AAC0-9BF4FEBC753E}" type="datetimeFigureOut">
               <a:rPr lang="es-ES" smtClean="0"/>
               <a:pPr/>
-              <a:t>21/06/2018</a:t>
+              <a:t>22/06/2018</a:t>
             </a:fld>
             <a:endParaRPr lang="es-ES"/>
           </a:p>
@@ -3092,7 +3092,7 @@
             <a:fld id="{7A847CFC-816F-41D0-AAC0-9BF4FEBC753E}" type="datetimeFigureOut">
               <a:rPr lang="es-ES" smtClean="0"/>
               <a:pPr/>
-              <a:t>21/06/2018</a:t>
+              <a:t>22/06/2018</a:t>
             </a:fld>
             <a:endParaRPr lang="es-ES" dirty="0"/>
           </a:p>
@@ -3618,15 +3618,7 @@
           <a:p>
             <a:r>
               <a:rPr lang="es-ES" dirty="0" smtClean="0"/>
-              <a:t>GIDTEC </a:t>
-            </a:r>
-            <a:r>
-              <a:rPr lang="es-ES" dirty="0" smtClean="0"/>
-              <a:t>(</a:t>
-            </a:r>
-            <a:r>
-              <a:rPr lang="es-ES" dirty="0" smtClean="0"/>
-              <a:t>Vinicio Sánchez, </a:t>
+              <a:t>GIDTEC (Vinicio Sánchez, </a:t>
             </a:r>
             <a:r>
               <a:rPr lang="es-ES" dirty="0"/>
@@ -3636,7 +3628,6 @@
               <a:rPr lang="es-ES" dirty="0" smtClean="0"/>
               <a:t>y Mariela Cerrada)</a:t>
             </a:r>
-            <a:endParaRPr lang="es-ES" dirty="0" smtClean="0"/>
           </a:p>
           <a:p>
             <a:endParaRPr lang="es-ES" dirty="0" smtClean="0"/>
@@ -4942,19 +4933,19 @@
           <a:p>
             <a:r>
               <a:rPr lang="es-ES" dirty="0" smtClean="0"/>
+              <a:t>Metodología de Análisis</a:t>
+            </a:r>
+          </a:p>
+          <a:p>
+            <a:r>
+              <a:rPr lang="es-ES" dirty="0" smtClean="0"/>
               <a:t>Casos de Estudio</a:t>
             </a:r>
           </a:p>
           <a:p>
             <a:r>
               <a:rPr lang="es-ES" dirty="0" smtClean="0"/>
-              <a:t>Métodos Agregados</a:t>
-            </a:r>
-          </a:p>
-          <a:p>
-            <a:r>
-              <a:rPr lang="es-ES" dirty="0" smtClean="0"/>
-              <a:t>Redes Neuronales</a:t>
+              <a:t>Métodos Avanzados</a:t>
             </a:r>
           </a:p>
         </p:txBody>
@@ -7320,12 +7311,33 @@
         </p:nvSpPr>
         <p:spPr/>
         <p:txBody>
-          <a:bodyPr/>
+          <a:bodyPr>
+            <a:normAutofit lnSpcReduction="10000"/>
+          </a:bodyPr>
           <a:lstStyle/>
           <a:p>
             <a:r>
               <a:rPr lang="es-ES" sz="3200" dirty="0" smtClean="0"/>
-              <a:t>Página Web del curso</a:t>
+              <a:t>Página Web del curso:</a:t>
+            </a:r>
+          </a:p>
+          <a:p>
+            <a:pPr lvl="1"/>
+            <a:r>
+              <a:rPr lang="es-ES" sz="2800" dirty="0">
+                <a:hlinkClick r:id="rId2"/>
+              </a:rPr>
+              <a:t>https://www.cs.us.es/~fsancho/?</a:t>
+            </a:r>
+            <a:r>
+              <a:rPr lang="es-ES" sz="2800" dirty="0" smtClean="0">
+                <a:hlinkClick r:id="rId2"/>
+              </a:rPr>
+              <a:t>p=modelado-y-analisis-de-la-complejidad</a:t>
+            </a:r>
+            <a:r>
+              <a:rPr lang="es-ES" sz="2800" dirty="0" smtClean="0"/>
+              <a:t> </a:t>
             </a:r>
           </a:p>
           <a:p>
@@ -7335,7 +7347,33 @@
             </a:r>
             <a:r>
               <a:rPr lang="es-ES" sz="3200" dirty="0" smtClean="0"/>
-              <a:t> del curso</a:t>
+              <a:t> del curso:</a:t>
+            </a:r>
+          </a:p>
+          <a:p>
+            <a:pPr lvl="1"/>
+            <a:r>
+              <a:rPr lang="es-ES" sz="2800" dirty="0">
+                <a:hlinkClick r:id="rId3"/>
+              </a:rPr>
+              <a:t>https://</a:t>
+            </a:r>
+            <a:r>
+              <a:rPr lang="es-ES" sz="2800" dirty="0" smtClean="0">
+                <a:hlinkClick r:id="rId3"/>
+              </a:rPr>
+              <a:t>github.com/fsancho/Modelado-Analisis-Complejidad</a:t>
+            </a:r>
+            <a:r>
+              <a:rPr lang="es-ES" sz="2800" dirty="0" smtClean="0"/>
+              <a:t> </a:t>
+            </a:r>
+            <a:endParaRPr lang="es-ES" sz="2800" dirty="0" smtClean="0"/>
+          </a:p>
+          <a:p>
+            <a:r>
+              <a:rPr lang="es-ES" sz="3200" dirty="0" smtClean="0"/>
+              <a:t>Cuestiones operativas</a:t>
             </a:r>
             <a:endParaRPr lang="es-ES" sz="3200" dirty="0"/>
           </a:p>
@@ -7404,13 +7442,13 @@
             <a:pPr lvl="1"/>
             <a:r>
               <a:rPr lang="es-ES" sz="2800" dirty="0">
-                <a:hlinkClick r:id="rId2"/>
+                <a:hlinkClick r:id="rId4"/>
               </a:rPr>
               <a:t>http://www.cs.us.es/~fsancho</a:t>
             </a:r>
             <a:r>
               <a:rPr lang="es-ES" sz="2800" dirty="0" smtClean="0">
-                <a:hlinkClick r:id="rId2"/>
+                <a:hlinkClick r:id="rId4"/>
               </a:rPr>
               <a:t>/</a:t>
             </a:r>
@@ -7432,7 +7470,7 @@
             <a:pPr lvl="1"/>
             <a:r>
               <a:rPr lang="es-ES" sz="2800" dirty="0" smtClean="0">
-                <a:hlinkClick r:id="rId3"/>
+                <a:hlinkClick r:id="rId5"/>
               </a:rPr>
               <a:t>fsancho@us.es</a:t>
             </a:r>
@@ -7442,7 +7480,7 @@
             <a:pPr lvl="1"/>
             <a:r>
               <a:rPr lang="es-ES" sz="2800" dirty="0" smtClean="0">
-                <a:hlinkClick r:id="rId4"/>
+                <a:hlinkClick r:id="rId6"/>
               </a:rPr>
               <a:t>fsanchocaparrini@gmail.com</a:t>
             </a:r>
